--- a/car_bike_rental.pptx
+++ b/car_bike_rental.pptx
@@ -242,7 +242,7 @@
             <a:fld id="{EF1077DB-935E-4A0A-947A-D283B9F9F452}" type="datetimeFigureOut">
               <a:rPr lang="en-US" smtClean="0"/>
               <a:pPr/>
-              <a:t>12/18/2020</a:t>
+              <a:t>8/12/2023</a:t>
             </a:fld>
             <a:endParaRPr lang="en-US" dirty="0"/>
           </a:p>
@@ -421,7 +421,7 @@
             <a:fld id="{2D9EC30E-1A71-4188-9BE7-E2A64929A436}" type="datetimeFigureOut">
               <a:rPr lang="en-US" noProof="0" smtClean="0"/>
               <a:pPr/>
-              <a:t>12/18/2020</a:t>
+              <a:t>8/12/2023</a:t>
             </a:fld>
             <a:endParaRPr lang="en-US" noProof="0"/>
           </a:p>
@@ -8673,7 +8673,7 @@
               <a:rPr lang="en-US" sz="3200" dirty="0">
                 <a:latin typeface="+mj-lt"/>
               </a:rPr>
-              <a:t>Notepad++ was used as code editor.</a:t>
+              <a:t>VS code was used as code editor.</a:t>
             </a:r>
           </a:p>
           <a:p>
@@ -8686,19 +8686,7 @@
               <a:rPr lang="en-US" sz="3200" dirty="0">
                 <a:latin typeface="+mj-lt"/>
               </a:rPr>
-              <a:t>XAMPP  was used as an alternative for server and database(Apache and </a:t>
-            </a:r>
-            <a:r>
-              <a:rPr lang="en-US" sz="3200" dirty="0" err="1">
-                <a:latin typeface="+mj-lt"/>
-              </a:rPr>
-              <a:t>MariaDB</a:t>
-            </a:r>
-            <a:r>
-              <a:rPr lang="en-US" sz="3200" dirty="0">
-                <a:latin typeface="+mj-lt"/>
-              </a:rPr>
-              <a:t>).</a:t>
+              <a:t>WAMP was used as an alternative for server and database(Apache and My SQL).</a:t>
             </a:r>
           </a:p>
           <a:p>
@@ -9941,16 +9929,10 @@
           </a:p>
           <a:p>
             <a:r>
-              <a:rPr lang="en-US" sz="3200" dirty="0" err="1">
-                <a:latin typeface="+mj-lt"/>
-              </a:rPr>
-              <a:t>MariaDB</a:t>
-            </a:r>
-            <a:r>
               <a:rPr lang="en-US" sz="3200" dirty="0">
                 <a:latin typeface="+mj-lt"/>
               </a:rPr>
-              <a:t> 10.1.29</a:t>
+              <a:t>MySQL</a:t>
             </a:r>
           </a:p>
           <a:p>
@@ -9963,7 +9945,7 @@
               <a:rPr lang="en-US" sz="3200" dirty="0">
                 <a:latin typeface="+mj-lt"/>
               </a:rPr>
-              <a:t>XAMPP v3.2.2</a:t>
+              <a:t>WAMP</a:t>
             </a:r>
           </a:p>
           <a:p>
@@ -9986,16 +9968,10 @@
           </a:p>
           <a:p>
             <a:r>
-              <a:rPr lang="en-US" sz="3200" dirty="0" err="1">
-                <a:latin typeface="+mj-lt"/>
-              </a:rPr>
-              <a:t>phpMyAdmin</a:t>
-            </a:r>
-            <a:r>
               <a:rPr lang="en-US" sz="3200" dirty="0">
                 <a:latin typeface="+mj-lt"/>
               </a:rPr>
-              <a:t> 4.7.4</a:t>
+              <a:t>phpMyAdmin 5.2.0</a:t>
             </a:r>
           </a:p>
           <a:p>
@@ -10067,7 +10043,7 @@
       </p:pic>
       <p:pic>
         <p:nvPicPr>
-          <p:cNvPr id="8" name="Picture 10" descr="C:\Users\Daniel Davidraj\Downloads\mariadb_org_rgb_v.png"/>
+          <p:cNvPr id="1027" name="Picture 3" descr="C:\Users\Daniel Davidraj\Downloads\download (2).png"/>
           <p:cNvPicPr>
             <a:picLocks noChangeAspect="1" noChangeArrowheads="1"/>
           </p:cNvPicPr>
@@ -10075,32 +10051,6 @@
         </p:nvPicPr>
         <p:blipFill>
           <a:blip r:embed="rId3"/>
-          <a:srcRect l="6376" t="6369"/>
-          <a:stretch>
-            <a:fillRect/>
-          </a:stretch>
-        </p:blipFill>
-        <p:spPr bwMode="auto">
-          <a:xfrm>
-            <a:off x="4585651" y="477671"/>
-            <a:ext cx="2538485" cy="2006221"/>
-          </a:xfrm>
-          <a:prstGeom prst="rect">
-            <a:avLst/>
-          </a:prstGeom>
-          <a:noFill/>
-        </p:spPr>
-      </p:pic>
-      <p:pic>
-        <p:nvPicPr>
-          <p:cNvPr id="1026" name="Picture 2" descr="C:\Users\Daniel Davidraj\Downloads\download (1).png"/>
-          <p:cNvPicPr>
-            <a:picLocks noChangeAspect="1" noChangeArrowheads="1"/>
-          </p:cNvPicPr>
-          <p:nvPr/>
-        </p:nvPicPr>
-        <p:blipFill>
-          <a:blip r:embed="rId4"/>
           <a:srcRect/>
           <a:stretch>
             <a:fillRect/>
@@ -10108,33 +10058,7 @@
         </p:blipFill>
         <p:spPr bwMode="auto">
           <a:xfrm>
-            <a:off x="7362399" y="1642423"/>
-            <a:ext cx="1752600" cy="1771650"/>
-          </a:xfrm>
-          <a:prstGeom prst="rect">
-            <a:avLst/>
-          </a:prstGeom>
-          <a:noFill/>
-        </p:spPr>
-      </p:pic>
-      <p:pic>
-        <p:nvPicPr>
-          <p:cNvPr id="1027" name="Picture 3" descr="C:\Users\Daniel Davidraj\Downloads\download (2).png"/>
-          <p:cNvPicPr>
-            <a:picLocks noChangeAspect="1" noChangeArrowheads="1"/>
-          </p:cNvPicPr>
-          <p:nvPr/>
-        </p:nvPicPr>
-        <p:blipFill>
-          <a:blip r:embed="rId5"/>
-          <a:srcRect/>
-          <a:stretch>
-            <a:fillRect/>
-          </a:stretch>
-        </p:blipFill>
-        <p:spPr bwMode="auto">
-          <a:xfrm>
-            <a:off x="6933061" y="3746525"/>
+            <a:off x="6691014" y="2647771"/>
             <a:ext cx="2538483" cy="1501040"/>
           </a:xfrm>
           <a:prstGeom prst="rect">
@@ -10152,7 +10076,7 @@
           <p:nvPr/>
         </p:nvPicPr>
         <p:blipFill>
-          <a:blip r:embed="rId6"/>
+          <a:blip r:embed="rId4"/>
           <a:srcRect l="14260" t="20502" r="13640" b="23795"/>
           <a:stretch>
             <a:fillRect/>
@@ -10160,7 +10084,7 @@
         </p:blipFill>
         <p:spPr bwMode="auto">
           <a:xfrm>
-            <a:off x="4763068" y="2947915"/>
+            <a:off x="4816856" y="1020503"/>
             <a:ext cx="2224585" cy="1460311"/>
           </a:xfrm>
           <a:prstGeom prst="rect">
@@ -10178,7 +10102,7 @@
           <p:nvPr/>
         </p:nvPicPr>
         <p:blipFill>
-          <a:blip r:embed="rId7"/>
+          <a:blip r:embed="rId5"/>
           <a:srcRect/>
           <a:stretch>
             <a:fillRect/>
@@ -10342,7 +10266,7 @@
         </p:blipFill>
         <p:spPr bwMode="auto">
           <a:xfrm>
-            <a:off x="286603" y="1282889"/>
+            <a:off x="302233" y="1312503"/>
             <a:ext cx="9608024" cy="5363571"/>
           </a:xfrm>
           <a:prstGeom prst="rect">
@@ -10351,6 +10275,75 @@
           <a:noFill/>
         </p:spPr>
       </p:pic>
+      <p:sp>
+        <p:nvSpPr>
+          <p:cNvPr id="3" name="TextBox 2">
+            <a:extLst>
+              <a:ext uri="{FF2B5EF4-FFF2-40B4-BE49-F238E27FC236}">
+                <a16:creationId xmlns:a16="http://schemas.microsoft.com/office/drawing/2014/main" id="{05D37E4B-65E0-37EA-F8F8-D0FD63104D1D}"/>
+              </a:ext>
+            </a:extLst>
+          </p:cNvPr>
+          <p:cNvSpPr txBox="1"/>
+          <p:nvPr/>
+        </p:nvSpPr>
+        <p:spPr>
+          <a:xfrm>
+            <a:off x="7620000" y="2602006"/>
+            <a:ext cx="1810871" cy="369332"/>
+          </a:xfrm>
+          <a:prstGeom prst="rect">
+            <a:avLst/>
+          </a:prstGeom>
+          <a:solidFill>
+            <a:schemeClr val="accent1"/>
+          </a:solidFill>
+        </p:spPr>
+        <p:txBody>
+          <a:bodyPr wrap="square" rtlCol="0">
+            <a:spAutoFit/>
+          </a:bodyPr>
+          <a:lstStyle/>
+          <a:p>
+            <a:r>
+              <a:rPr lang="en-IN" dirty="0"/>
+              <a:t>MySQL</a:t>
+            </a:r>
+          </a:p>
+        </p:txBody>
+      </p:sp>
+      <p:sp>
+        <p:nvSpPr>
+          <p:cNvPr id="2" name="TextBox 1">
+            <a:extLst>
+              <a:ext uri="{FF2B5EF4-FFF2-40B4-BE49-F238E27FC236}">
+                <a16:creationId xmlns:a16="http://schemas.microsoft.com/office/drawing/2014/main" id="{437FDC0F-E774-DD10-2F83-91B402E0D09D}"/>
+              </a:ext>
+            </a:extLst>
+          </p:cNvPr>
+          <p:cNvSpPr txBox="1"/>
+          <p:nvPr/>
+        </p:nvSpPr>
+        <p:spPr>
+          <a:xfrm>
+            <a:off x="4607859" y="2971338"/>
+            <a:ext cx="1488141" cy="369332"/>
+          </a:xfrm>
+          <a:prstGeom prst="rect">
+            <a:avLst/>
+          </a:prstGeom>
+          <a:noFill/>
+        </p:spPr>
+        <p:txBody>
+          <a:bodyPr wrap="square" rtlCol="0">
+            <a:spAutoFit/>
+          </a:bodyPr>
+          <a:lstStyle/>
+          <a:p>
+            <a:endParaRPr lang="en-IN" dirty="0"/>
+          </a:p>
+        </p:txBody>
+      </p:sp>
     </p:spTree>
   </p:cSld>
   <p:clrMapOvr>
